--- a/slides/Unit 2 - Class 4.pptx
+++ b/slides/Unit 2 - Class 4.pptx
@@ -8671,7 +8671,7 @@
           <a:graphicData uri="http://schemas.openxmlformats.org/presentationml/2006/ole">
             <mc:AlternateContent xmlns:mc="http://schemas.openxmlformats.org/markup-compatibility/2006">
               <mc:Choice xmlns:v="urn:schemas-microsoft-com:vml" Requires="v">
-                <p:oleObj spid="_x0000_s7230" name="Document" r:id="rId4" imgW="7556500" imgH="2590800" progId="Word.Document.12">
+                <p:oleObj spid="_x0000_s7234" name="Document" r:id="rId4" imgW="7556500" imgH="2590800" progId="Word.Document.12">
                   <p:embed/>
                 </p:oleObj>
               </mc:Choice>
@@ -8774,7 +8774,7 @@
           <a:graphicData uri="http://schemas.openxmlformats.org/presentationml/2006/ole">
             <mc:AlternateContent xmlns:mc="http://schemas.openxmlformats.org/markup-compatibility/2006">
               <mc:Choice xmlns:v="urn:schemas-microsoft-com:vml" Requires="v">
-                <p:oleObj spid="_x0000_s7231" name="Document" r:id="rId6" imgW="7556500" imgH="3124200" progId="Word.Document.12">
+                <p:oleObj spid="_x0000_s7235" name="Document" r:id="rId6" imgW="7556500" imgH="3124200" progId="Word.Document.12">
                   <p:embed/>
                 </p:oleObj>
               </mc:Choice>
@@ -8996,7 +8996,7 @@
           <a:graphicData uri="http://schemas.openxmlformats.org/presentationml/2006/ole">
             <mc:AlternateContent xmlns:mc="http://schemas.openxmlformats.org/markup-compatibility/2006">
               <mc:Choice xmlns:v="urn:schemas-microsoft-com:vml" Requires="v">
-                <p:oleObj spid="_x0000_s8220" name="Document" r:id="rId4" imgW="7556500" imgH="3441700" progId="Word.Document.12">
+                <p:oleObj spid="_x0000_s8222" name="Document" r:id="rId4" imgW="7556500" imgH="3441700" progId="Word.Document.12">
                   <p:embed/>
                 </p:oleObj>
               </mc:Choice>
@@ -9430,7 +9430,7 @@
           <a:graphicData uri="http://schemas.openxmlformats.org/presentationml/2006/ole">
             <mc:AlternateContent xmlns:mc="http://schemas.openxmlformats.org/markup-compatibility/2006">
               <mc:Choice xmlns:v="urn:schemas-microsoft-com:vml" Requires="v">
-                <p:oleObj spid="_x0000_s13331" name="Document" r:id="rId4" imgW="7556500" imgH="2413000" progId="Word.Document.12">
+                <p:oleObj spid="_x0000_s13333" name="Document" r:id="rId4" imgW="7556500" imgH="2413000" progId="Word.Document.12">
                   <p:embed/>
                 </p:oleObj>
               </mc:Choice>
@@ -9663,7 +9663,7 @@
           <p:nvPr>
             <p:extLst>
               <p:ext uri="{D42A27DB-BD31-4B8C-83A1-F6EECF244321}">
-                <p14:modId xmlns:p14="http://schemas.microsoft.com/office/powerpoint/2010/main" val="2381460672"/>
+                <p14:modId xmlns:p14="http://schemas.microsoft.com/office/powerpoint/2010/main" val="2824764402"/>
               </p:ext>
             </p:extLst>
           </p:nvPr>
@@ -9676,7 +9676,7 @@
           <a:graphicData uri="http://schemas.openxmlformats.org/presentationml/2006/ole">
             <mc:AlternateContent xmlns:mc="http://schemas.openxmlformats.org/markup-compatibility/2006">
               <mc:Choice xmlns:v="urn:schemas-microsoft-com:vml" Requires="v">
-                <p:oleObj spid="_x0000_s14355" name="Document" r:id="rId4" imgW="7556500" imgH="4305300" progId="Word.Document.12">
+                <p:oleObj spid="_x0000_s14357" name="Document" r:id="rId4" imgW="7556500" imgH="4305300" progId="Word.Document.12">
                   <p:embed/>
                 </p:oleObj>
               </mc:Choice>
@@ -9882,7 +9882,7 @@
           <a:graphicData uri="http://schemas.openxmlformats.org/presentationml/2006/ole">
             <mc:AlternateContent xmlns:mc="http://schemas.openxmlformats.org/markup-compatibility/2006">
               <mc:Choice xmlns:v="urn:schemas-microsoft-com:vml" Requires="v">
-                <p:oleObj spid="_x0000_s16400" name="Document" r:id="rId4" imgW="7556500" imgH="2070100" progId="Word.Document.12">
+                <p:oleObj spid="_x0000_s16402" name="Document" r:id="rId4" imgW="7556500" imgH="2070100" progId="Word.Document.12">
                   <p:embed/>
                 </p:oleObj>
               </mc:Choice>
@@ -10088,7 +10088,7 @@
           <a:graphicData uri="http://schemas.openxmlformats.org/presentationml/2006/ole">
             <mc:AlternateContent xmlns:mc="http://schemas.openxmlformats.org/markup-compatibility/2006">
               <mc:Choice xmlns:v="urn:schemas-microsoft-com:vml" Requires="v">
-                <p:oleObj spid="_x0000_s18447" name="Document" r:id="rId4" imgW="7556500" imgH="5334000" progId="Word.Document.12">
+                <p:oleObj spid="_x0000_s18449" name="Document" r:id="rId4" imgW="7556500" imgH="5334000" progId="Word.Document.12">
                   <p:embed/>
                 </p:oleObj>
               </mc:Choice>
@@ -10260,7 +10260,7 @@
           <a:graphicData uri="http://schemas.openxmlformats.org/presentationml/2006/ole">
             <mc:AlternateContent xmlns:mc="http://schemas.openxmlformats.org/markup-compatibility/2006">
               <mc:Choice xmlns:v="urn:schemas-microsoft-com:vml" Requires="v">
-                <p:oleObj spid="_x0000_s20494" name="Document" r:id="rId4" imgW="7556500" imgH="6578600" progId="Word.Document.12">
+                <p:oleObj spid="_x0000_s20496" name="Document" r:id="rId4" imgW="7556500" imgH="6578600" progId="Word.Document.12">
                   <p:embed/>
                 </p:oleObj>
               </mc:Choice>
@@ -10432,7 +10432,7 @@
           <a:graphicData uri="http://schemas.openxmlformats.org/presentationml/2006/ole">
             <mc:AlternateContent xmlns:mc="http://schemas.openxmlformats.org/markup-compatibility/2006">
               <mc:Choice xmlns:v="urn:schemas-microsoft-com:vml" Requires="v">
-                <p:oleObj spid="_x0000_s22542" name="Document" r:id="rId4" imgW="7556500" imgH="190500" progId="Word.Document.12">
+                <p:oleObj spid="_x0000_s22544" name="Document" r:id="rId4" imgW="7556500" imgH="190500" progId="Word.Document.12">
                   <p:embed/>
                 </p:oleObj>
               </mc:Choice>
@@ -10765,7 +10765,7 @@
           <a:graphicData uri="http://schemas.openxmlformats.org/presentationml/2006/ole">
             <mc:AlternateContent xmlns:mc="http://schemas.openxmlformats.org/markup-compatibility/2006">
               <mc:Choice xmlns:v="urn:schemas-microsoft-com:vml" Requires="v">
-                <p:oleObj spid="_x0000_s26635" name="Document" r:id="rId4" imgW="7556500" imgH="190500" progId="Word.Document.12">
+                <p:oleObj spid="_x0000_s26637" name="Document" r:id="rId4" imgW="7556500" imgH="190500" progId="Word.Document.12">
                   <p:embed/>
                 </p:oleObj>
               </mc:Choice>
@@ -10961,7 +10961,7 @@
           <a:graphicData uri="http://schemas.openxmlformats.org/presentationml/2006/ole">
             <mc:AlternateContent xmlns:mc="http://schemas.openxmlformats.org/markup-compatibility/2006">
               <mc:Choice xmlns:v="urn:schemas-microsoft-com:vml" Requires="v">
-                <p:oleObj spid="_x0000_s28690" name="Document" r:id="rId4" imgW="7556500" imgH="190500" progId="Word.Document.12">
+                <p:oleObj spid="_x0000_s28694" name="Document" r:id="rId4" imgW="7556500" imgH="190500" progId="Word.Document.12">
                   <p:embed/>
                 </p:oleObj>
               </mc:Choice>
@@ -11030,7 +11030,7 @@
           <a:graphicData uri="http://schemas.openxmlformats.org/presentationml/2006/ole">
             <mc:AlternateContent xmlns:mc="http://schemas.openxmlformats.org/markup-compatibility/2006">
               <mc:Choice xmlns:v="urn:schemas-microsoft-com:vml" Requires="v">
-                <p:oleObj spid="_x0000_s28691" name="Document" r:id="rId6" imgW="7556500" imgH="3632200" progId="Word.Document.12">
+                <p:oleObj spid="_x0000_s28695" name="Document" r:id="rId6" imgW="7556500" imgH="3632200" progId="Word.Document.12">
                   <p:embed/>
                 </p:oleObj>
               </mc:Choice>
@@ -11190,7 +11190,7 @@
           <a:graphicData uri="http://schemas.openxmlformats.org/presentationml/2006/ole">
             <mc:AlternateContent xmlns:mc="http://schemas.openxmlformats.org/markup-compatibility/2006">
               <mc:Choice xmlns:v="urn:schemas-microsoft-com:vml" Requires="v">
-                <p:oleObj spid="_x0000_s30739" name="Document" r:id="rId4" imgW="7556500" imgH="190500" progId="Word.Document.12">
+                <p:oleObj spid="_x0000_s30743" name="Document" r:id="rId4" imgW="7556500" imgH="190500" progId="Word.Document.12">
                   <p:embed/>
                 </p:oleObj>
               </mc:Choice>
@@ -11259,7 +11259,7 @@
           <a:graphicData uri="http://schemas.openxmlformats.org/presentationml/2006/ole">
             <mc:AlternateContent xmlns:mc="http://schemas.openxmlformats.org/markup-compatibility/2006">
               <mc:Choice xmlns:v="urn:schemas-microsoft-com:vml" Requires="v">
-                <p:oleObj spid="_x0000_s30740" name="Document" r:id="rId6" imgW="7556500" imgH="6718300" progId="Word.Document.12">
+                <p:oleObj spid="_x0000_s30744" name="Document" r:id="rId6" imgW="7556500" imgH="6718300" progId="Word.Document.12">
                   <p:embed/>
                 </p:oleObj>
               </mc:Choice>
@@ -11425,7 +11425,7 @@
           <a:graphicData uri="http://schemas.openxmlformats.org/presentationml/2006/ole">
             <mc:AlternateContent xmlns:mc="http://schemas.openxmlformats.org/markup-compatibility/2006">
               <mc:Choice xmlns:v="urn:schemas-microsoft-com:vml" Requires="v">
-                <p:oleObj spid="_x0000_s32779" name="Document" r:id="rId4" imgW="7556500" imgH="190500" progId="Word.Document.12">
+                <p:oleObj spid="_x0000_s32781" name="Document" r:id="rId4" imgW="7556500" imgH="190500" progId="Word.Document.12">
                   <p:embed/>
                 </p:oleObj>
               </mc:Choice>
@@ -11629,7 +11629,7 @@
           <a:graphicData uri="http://schemas.openxmlformats.org/presentationml/2006/ole">
             <mc:AlternateContent xmlns:mc="http://schemas.openxmlformats.org/markup-compatibility/2006">
               <mc:Choice xmlns:v="urn:schemas-microsoft-com:vml" Requires="v">
-                <p:oleObj spid="_x0000_s34832" name="Document" r:id="rId4" imgW="7556500" imgH="190500" progId="Word.Document.12">
+                <p:oleObj spid="_x0000_s34836" name="Document" r:id="rId4" imgW="7556500" imgH="190500" progId="Word.Document.12">
                   <p:embed/>
                 </p:oleObj>
               </mc:Choice>
@@ -11698,7 +11698,7 @@
           <a:graphicData uri="http://schemas.openxmlformats.org/presentationml/2006/ole">
             <mc:AlternateContent xmlns:mc="http://schemas.openxmlformats.org/markup-compatibility/2006">
               <mc:Choice xmlns:v="urn:schemas-microsoft-com:vml" Requires="v">
-                <p:oleObj spid="_x0000_s34833" name="Document" r:id="rId6" imgW="7556500" imgH="5994400" progId="Word.Document.12">
+                <p:oleObj spid="_x0000_s34837" name="Document" r:id="rId6" imgW="7556500" imgH="5994400" progId="Word.Document.12">
                   <p:embed/>
                 </p:oleObj>
               </mc:Choice>
@@ -11915,7 +11915,7 @@
           <a:graphicData uri="http://schemas.openxmlformats.org/presentationml/2006/ole">
             <mc:AlternateContent xmlns:mc="http://schemas.openxmlformats.org/markup-compatibility/2006">
               <mc:Choice xmlns:v="urn:schemas-microsoft-com:vml" Requires="v">
-                <p:oleObj spid="_x0000_s36870" name="Document" r:id="rId4" imgW="7556500" imgH="190500" progId="Word.Document.12">
+                <p:oleObj spid="_x0000_s36872" name="Document" r:id="rId4" imgW="7556500" imgH="190500" progId="Word.Document.12">
                   <p:embed/>
                 </p:oleObj>
               </mc:Choice>
@@ -12043,7 +12043,7 @@
           <a:graphicData uri="http://schemas.openxmlformats.org/presentationml/2006/ole">
             <mc:AlternateContent xmlns:mc="http://schemas.openxmlformats.org/markup-compatibility/2006">
               <mc:Choice xmlns:v="urn:schemas-microsoft-com:vml" Requires="v">
-                <p:oleObj spid="_x0000_s38920" name="Document" r:id="rId4" imgW="7556500" imgH="190500" progId="Word.Document.12">
+                <p:oleObj spid="_x0000_s38924" name="Document" r:id="rId4" imgW="7556500" imgH="190500" progId="Word.Document.12">
                   <p:embed/>
                 </p:oleObj>
               </mc:Choice>
@@ -12112,7 +12112,7 @@
           <a:graphicData uri="http://schemas.openxmlformats.org/presentationml/2006/ole">
             <mc:AlternateContent xmlns:mc="http://schemas.openxmlformats.org/markup-compatibility/2006">
               <mc:Choice xmlns:v="urn:schemas-microsoft-com:vml" Requires="v">
-                <p:oleObj spid="_x0000_s38921" name="Document" r:id="rId6" imgW="7556500" imgH="5676900" progId="Word.Document.12">
+                <p:oleObj spid="_x0000_s38925" name="Document" r:id="rId6" imgW="7556500" imgH="5676900" progId="Word.Document.12">
                   <p:embed/>
                 </p:oleObj>
               </mc:Choice>
@@ -12234,7 +12234,7 @@
           <a:graphicData uri="http://schemas.openxmlformats.org/presentationml/2006/ole">
             <mc:AlternateContent xmlns:mc="http://schemas.openxmlformats.org/markup-compatibility/2006">
               <mc:Choice xmlns:v="urn:schemas-microsoft-com:vml" Requires="v">
-                <p:oleObj spid="_x0000_s40969" name="Document" r:id="rId4" imgW="7556500" imgH="190500" progId="Word.Document.12">
+                <p:oleObj spid="_x0000_s40973" name="Document" r:id="rId4" imgW="7556500" imgH="190500" progId="Word.Document.12">
                   <p:embed/>
                 </p:oleObj>
               </mc:Choice>
@@ -12303,7 +12303,7 @@
           <a:graphicData uri="http://schemas.openxmlformats.org/presentationml/2006/ole">
             <mc:AlternateContent xmlns:mc="http://schemas.openxmlformats.org/markup-compatibility/2006">
               <mc:Choice xmlns:v="urn:schemas-microsoft-com:vml" Requires="v">
-                <p:oleObj spid="_x0000_s40970" name="Document" r:id="rId6" imgW="7556500" imgH="5003800" progId="Word.Document.12">
+                <p:oleObj spid="_x0000_s40974" name="Document" r:id="rId6" imgW="7556500" imgH="5003800" progId="Word.Document.12">
                   <p:embed/>
                 </p:oleObj>
               </mc:Choice>
@@ -12431,7 +12431,7 @@
           <a:graphicData uri="http://schemas.openxmlformats.org/presentationml/2006/ole">
             <mc:AlternateContent xmlns:mc="http://schemas.openxmlformats.org/markup-compatibility/2006">
               <mc:Choice xmlns:v="urn:schemas-microsoft-com:vml" Requires="v">
-                <p:oleObj spid="_x0000_s43017" name="Document" r:id="rId4" imgW="7556500" imgH="190500" progId="Word.Document.12">
+                <p:oleObj spid="_x0000_s43021" name="Document" r:id="rId4" imgW="7556500" imgH="190500" progId="Word.Document.12">
                   <p:embed/>
                 </p:oleObj>
               </mc:Choice>
@@ -12500,7 +12500,7 @@
           <a:graphicData uri="http://schemas.openxmlformats.org/presentationml/2006/ole">
             <mc:AlternateContent xmlns:mc="http://schemas.openxmlformats.org/markup-compatibility/2006">
               <mc:Choice xmlns:v="urn:schemas-microsoft-com:vml" Requires="v">
-                <p:oleObj spid="_x0000_s43018" name="Document" r:id="rId6" imgW="7556500" imgH="3289300" progId="Word.Document.12">
+                <p:oleObj spid="_x0000_s43022" name="Document" r:id="rId6" imgW="7556500" imgH="3289300" progId="Word.Document.12">
                   <p:embed/>
                 </p:oleObj>
               </mc:Choice>
@@ -12628,7 +12628,7 @@
           <a:graphicData uri="http://schemas.openxmlformats.org/presentationml/2006/ole">
             <mc:AlternateContent xmlns:mc="http://schemas.openxmlformats.org/markup-compatibility/2006">
               <mc:Choice xmlns:v="urn:schemas-microsoft-com:vml" Requires="v">
-                <p:oleObj spid="_x0000_s45065" name="Document" r:id="rId4" imgW="7556500" imgH="190500" progId="Word.Document.12">
+                <p:oleObj spid="_x0000_s45069" name="Document" r:id="rId4" imgW="7556500" imgH="190500" progId="Word.Document.12">
                   <p:embed/>
                 </p:oleObj>
               </mc:Choice>
@@ -12697,7 +12697,7 @@
           <a:graphicData uri="http://schemas.openxmlformats.org/presentationml/2006/ole">
             <mc:AlternateContent xmlns:mc="http://schemas.openxmlformats.org/markup-compatibility/2006">
               <mc:Choice xmlns:v="urn:schemas-microsoft-com:vml" Requires="v">
-                <p:oleObj spid="_x0000_s45066" name="Document" r:id="rId6" imgW="7556500" imgH="4483100" progId="Word.Document.12">
+                <p:oleObj spid="_x0000_s45070" name="Document" r:id="rId6" imgW="7556500" imgH="4483100" progId="Word.Document.12">
                   <p:embed/>
                 </p:oleObj>
               </mc:Choice>
@@ -13373,7 +13373,7 @@
           <a:graphicData uri="http://schemas.openxmlformats.org/presentationml/2006/ole">
             <mc:AlternateContent xmlns:mc="http://schemas.openxmlformats.org/markup-compatibility/2006">
               <mc:Choice xmlns:v="urn:schemas-microsoft-com:vml" Requires="v">
-                <p:oleObj spid="_x0000_s2145" name="Document" r:id="rId4" imgW="7556500" imgH="190500" progId="Word.Document.12">
+                <p:oleObj spid="_x0000_s2149" name="Document" r:id="rId4" imgW="7556500" imgH="190500" progId="Word.Document.12">
                   <p:embed/>
                 </p:oleObj>
               </mc:Choice>
@@ -13436,7 +13436,7 @@
           <a:graphicData uri="http://schemas.openxmlformats.org/presentationml/2006/ole">
             <mc:AlternateContent xmlns:mc="http://schemas.openxmlformats.org/markup-compatibility/2006">
               <mc:Choice xmlns:v="urn:schemas-microsoft-com:vml" Requires="v">
-                <p:oleObj spid="_x0000_s2146" name="Document" r:id="rId6" imgW="7556500" imgH="3784600" progId="Word.Document.12">
+                <p:oleObj spid="_x0000_s2150" name="Document" r:id="rId6" imgW="7556500" imgH="3784600" progId="Word.Document.12">
                   <p:embed/>
                 </p:oleObj>
               </mc:Choice>
@@ -13662,7 +13662,7 @@
           <a:graphicData uri="http://schemas.openxmlformats.org/presentationml/2006/ole">
             <mc:AlternateContent xmlns:mc="http://schemas.openxmlformats.org/markup-compatibility/2006">
               <mc:Choice xmlns:v="urn:schemas-microsoft-com:vml" Requires="v">
-                <p:oleObj spid="_x0000_s3216" name="Document" r:id="rId4" imgW="7556500" imgH="190500" progId="Word.Document.12">
+                <p:oleObj spid="_x0000_s3222" name="Document" r:id="rId4" imgW="7556500" imgH="190500" progId="Word.Document.12">
                   <p:embed/>
                 </p:oleObj>
               </mc:Choice>
@@ -13731,7 +13731,7 @@
           <a:graphicData uri="http://schemas.openxmlformats.org/presentationml/2006/ole">
             <mc:AlternateContent xmlns:mc="http://schemas.openxmlformats.org/markup-compatibility/2006">
               <mc:Choice xmlns:v="urn:schemas-microsoft-com:vml" Requires="v">
-                <p:oleObj spid="_x0000_s3217" name="Document" r:id="rId6" imgW="7556500" imgH="190500" progId="Word.Document.12">
+                <p:oleObj spid="_x0000_s3223" name="Document" r:id="rId6" imgW="7556500" imgH="190500" progId="Word.Document.12">
                   <p:embed/>
                 </p:oleObj>
               </mc:Choice>
@@ -13794,7 +13794,7 @@
           <a:graphicData uri="http://schemas.openxmlformats.org/presentationml/2006/ole">
             <mc:AlternateContent xmlns:mc="http://schemas.openxmlformats.org/markup-compatibility/2006">
               <mc:Choice xmlns:v="urn:schemas-microsoft-com:vml" Requires="v">
-                <p:oleObj spid="_x0000_s3218" name="Document" r:id="rId8" imgW="7556500" imgH="4127500" progId="Word.Document.12">
+                <p:oleObj spid="_x0000_s3224" name="Document" r:id="rId8" imgW="7556500" imgH="4127500" progId="Word.Document.12">
                   <p:embed/>
                 </p:oleObj>
               </mc:Choice>
@@ -14022,7 +14022,7 @@
           <a:graphicData uri="http://schemas.openxmlformats.org/presentationml/2006/ole">
             <mc:AlternateContent xmlns:mc="http://schemas.openxmlformats.org/markup-compatibility/2006">
               <mc:Choice xmlns:v="urn:schemas-microsoft-com:vml" Requires="v">
-                <p:oleObj spid="_x0000_s1120" name="Document" r:id="rId4" imgW="7556500" imgH="1727200" progId="Word.Document.12">
+                <p:oleObj spid="_x0000_s1124" name="Document" r:id="rId4" imgW="7556500" imgH="1727200" progId="Word.Document.12">
                   <p:embed/>
                 </p:oleObj>
               </mc:Choice>
@@ -14125,7 +14125,7 @@
           <a:graphicData uri="http://schemas.openxmlformats.org/presentationml/2006/ole">
             <mc:AlternateContent xmlns:mc="http://schemas.openxmlformats.org/markup-compatibility/2006">
               <mc:Choice xmlns:v="urn:schemas-microsoft-com:vml" Requires="v">
-                <p:oleObj spid="_x0000_s1121" name="Document" r:id="rId6" imgW="7556500" imgH="3098800" progId="Word.Document.12">
+                <p:oleObj spid="_x0000_s1125" name="Document" r:id="rId6" imgW="7556500" imgH="3098800" progId="Word.Document.12">
                   <p:embed/>
                 </p:oleObj>
               </mc:Choice>
